--- a/15finance/loans/deleteme.pptx
+++ b/15finance/loans/deleteme.pptx
@@ -3060,19 +3060,36 @@
           <a:chExt cx="0" cy="0"/>
         </a:xfrm>
       </p:grpSpPr>
-      <p:grpSp>
-        <p:nvGrpSpPr>
-          <p:cNvPr id="23" name="Group 22"/>
-          <p:cNvGrpSpPr/>
+      <p:pic>
+        <p:nvPicPr>
+          <p:cNvPr id="2" name="Picture 2"/>
+          <p:cNvPicPr>
+            <a:picLocks noChangeAspect="1" noChangeArrowheads="1"/>
+          </p:cNvPicPr>
           <p:nvPr/>
-        </p:nvGrpSpPr>
-        <p:grpSpPr>
+        </p:nvPicPr>
+        <p:blipFill>
+          <a:blip r:embed="rId2" cstate="print"/>
+          <a:srcRect l="62811" t="15625" r="13031" b="4688"/>
+          <a:stretch>
+            <a:fillRect/>
+          </a:stretch>
+        </p:blipFill>
+        <p:spPr bwMode="auto">
           <a:xfrm>
-            <a:off x="228600" y="914400"/>
-            <a:ext cx="8025087" cy="4712732"/>
-            <a:chOff x="228600" y="914400"/>
-            <a:chExt cx="8025087" cy="4712732"/>
+            <a:off x="1905000" y="1295400"/>
+            <a:ext cx="4191000" cy="3886200"/>
           </a:xfrm>
+          <a:prstGeom prst="rect">
+            <a:avLst/>
+          </a:prstGeom>
+          <a:noFill/>
+          <a:ln w="9525">
+            <a:noFill/>
+            <a:miter lim="800000"/>
+            <a:headEnd/>
+            <a:tailEnd/>
+          </a:ln>
           <a:effectLst>
             <a:outerShdw blurRad="50800" dist="38100" dir="2700000" algn="tl" rotWithShape="0">
               <a:prstClr val="black">
@@ -3080,580 +3097,8 @@
               </a:prstClr>
             </a:outerShdw>
           </a:effectLst>
-        </p:grpSpPr>
-        <p:pic>
-          <p:nvPicPr>
-            <p:cNvPr id="1026" name="Picture 2"/>
-            <p:cNvPicPr>
-              <a:picLocks noChangeAspect="1" noChangeArrowheads="1"/>
-            </p:cNvPicPr>
-            <p:nvPr/>
-          </p:nvPicPr>
-          <p:blipFill>
-            <a:blip r:embed="rId2" cstate="print"/>
-            <a:srcRect l="53587" t="31250" r="4685" b="3125"/>
-            <a:stretch>
-              <a:fillRect/>
-            </a:stretch>
-          </p:blipFill>
-          <p:spPr bwMode="auto">
-            <a:xfrm>
-              <a:off x="685800" y="1752600"/>
-              <a:ext cx="7239000" cy="3200400"/>
-            </a:xfrm>
-            <a:prstGeom prst="rect">
-              <a:avLst/>
-            </a:prstGeom>
-            <a:noFill/>
-            <a:ln w="9525">
-              <a:noFill/>
-              <a:miter lim="800000"/>
-              <a:headEnd/>
-              <a:tailEnd/>
-            </a:ln>
-          </p:spPr>
-        </p:pic>
-        <p:sp>
-          <p:nvSpPr>
-            <p:cNvPr id="3" name="Oval 2"/>
-            <p:cNvSpPr/>
-            <p:nvPr/>
-          </p:nvSpPr>
-          <p:spPr>
-            <a:xfrm>
-              <a:off x="3657600" y="2286000"/>
-              <a:ext cx="762000" cy="457200"/>
-            </a:xfrm>
-            <a:prstGeom prst="ellipse">
-              <a:avLst/>
-            </a:prstGeom>
-            <a:noFill/>
-            <a:ln w="44450">
-              <a:solidFill>
-                <a:schemeClr val="accent3">
-                  <a:lumMod val="75000"/>
-                </a:schemeClr>
-              </a:solidFill>
-            </a:ln>
-          </p:spPr>
-          <p:style>
-            <a:lnRef idx="2">
-              <a:schemeClr val="accent1">
-                <a:shade val="50000"/>
-              </a:schemeClr>
-            </a:lnRef>
-            <a:fillRef idx="1">
-              <a:schemeClr val="accent1"/>
-            </a:fillRef>
-            <a:effectRef idx="0">
-              <a:schemeClr val="accent1"/>
-            </a:effectRef>
-            <a:fontRef idx="minor">
-              <a:schemeClr val="lt1"/>
-            </a:fontRef>
-          </p:style>
-          <p:txBody>
-            <a:bodyPr rtlCol="0" anchor="ctr"/>
-            <a:lstStyle/>
-            <a:p>
-              <a:pPr algn="ctr"/>
-              <a:endParaRPr lang="en-GB"/>
-            </a:p>
-          </p:txBody>
-        </p:sp>
-        <p:sp>
-          <p:nvSpPr>
-            <p:cNvPr id="4" name="Oval 3"/>
-            <p:cNvSpPr/>
-            <p:nvPr/>
-          </p:nvSpPr>
-          <p:spPr>
-            <a:xfrm>
-              <a:off x="6553200" y="2286000"/>
-              <a:ext cx="1371600" cy="457200"/>
-            </a:xfrm>
-            <a:prstGeom prst="ellipse">
-              <a:avLst/>
-            </a:prstGeom>
-            <a:noFill/>
-            <a:ln w="44450">
-              <a:solidFill>
-                <a:schemeClr val="accent3">
-                  <a:lumMod val="75000"/>
-                </a:schemeClr>
-              </a:solidFill>
-            </a:ln>
-          </p:spPr>
-          <p:style>
-            <a:lnRef idx="2">
-              <a:schemeClr val="accent1">
-                <a:shade val="50000"/>
-              </a:schemeClr>
-            </a:lnRef>
-            <a:fillRef idx="1">
-              <a:schemeClr val="accent1"/>
-            </a:fillRef>
-            <a:effectRef idx="0">
-              <a:schemeClr val="accent1"/>
-            </a:effectRef>
-            <a:fontRef idx="minor">
-              <a:schemeClr val="lt1"/>
-            </a:fontRef>
-          </p:style>
-          <p:txBody>
-            <a:bodyPr rtlCol="0" anchor="ctr"/>
-            <a:lstStyle/>
-            <a:p>
-              <a:pPr algn="ctr"/>
-              <a:endParaRPr lang="en-GB"/>
-            </a:p>
-          </p:txBody>
-        </p:sp>
-        <p:sp>
-          <p:nvSpPr>
-            <p:cNvPr id="5" name="Oval 4"/>
-            <p:cNvSpPr/>
-            <p:nvPr/>
-          </p:nvSpPr>
-          <p:spPr>
-            <a:xfrm>
-              <a:off x="3505200" y="4495800"/>
-              <a:ext cx="838200" cy="457200"/>
-            </a:xfrm>
-            <a:prstGeom prst="ellipse">
-              <a:avLst/>
-            </a:prstGeom>
-            <a:noFill/>
-            <a:ln w="44450">
-              <a:solidFill>
-                <a:schemeClr val="accent3">
-                  <a:lumMod val="75000"/>
-                </a:schemeClr>
-              </a:solidFill>
-            </a:ln>
-          </p:spPr>
-          <p:style>
-            <a:lnRef idx="2">
-              <a:schemeClr val="accent1">
-                <a:shade val="50000"/>
-              </a:schemeClr>
-            </a:lnRef>
-            <a:fillRef idx="1">
-              <a:schemeClr val="accent1"/>
-            </a:fillRef>
-            <a:effectRef idx="0">
-              <a:schemeClr val="accent1"/>
-            </a:effectRef>
-            <a:fontRef idx="minor">
-              <a:schemeClr val="lt1"/>
-            </a:fontRef>
-          </p:style>
-          <p:txBody>
-            <a:bodyPr rtlCol="0" anchor="ctr"/>
-            <a:lstStyle/>
-            <a:p>
-              <a:pPr algn="ctr"/>
-              <a:endParaRPr lang="en-GB"/>
-            </a:p>
-          </p:txBody>
-        </p:sp>
-        <p:sp>
-          <p:nvSpPr>
-            <p:cNvPr id="6" name="TextBox 5"/>
-            <p:cNvSpPr txBox="1"/>
-            <p:nvPr/>
-          </p:nvSpPr>
-          <p:spPr>
-            <a:xfrm>
-              <a:off x="228600" y="990600"/>
-              <a:ext cx="4001288" cy="369332"/>
-            </a:xfrm>
-            <a:prstGeom prst="rect">
-              <a:avLst/>
-            </a:prstGeom>
-            <a:noFill/>
-          </p:spPr>
-          <p:txBody>
-            <a:bodyPr wrap="none" rtlCol="0">
-              <a:spAutoFit/>
-            </a:bodyPr>
-            <a:lstStyle/>
-            <a:p>
-              <a:r>
-                <a:rPr lang="en-GB" dirty="0" smtClean="0"/>
-                <a:t>1. Enter the Amount you want to borrow</a:t>
-              </a:r>
-              <a:endParaRPr lang="en-GB" dirty="0"/>
-            </a:p>
-          </p:txBody>
-        </p:sp>
-        <p:sp>
-          <p:nvSpPr>
-            <p:cNvPr id="8" name="TextBox 7"/>
-            <p:cNvSpPr txBox="1"/>
-            <p:nvPr/>
-          </p:nvSpPr>
-          <p:spPr>
-            <a:xfrm>
-              <a:off x="3886200" y="1447800"/>
-              <a:ext cx="3798219" cy="369332"/>
-            </a:xfrm>
-            <a:prstGeom prst="rect">
-              <a:avLst/>
-            </a:prstGeom>
-            <a:noFill/>
-          </p:spPr>
-          <p:txBody>
-            <a:bodyPr wrap="none" rtlCol="0">
-              <a:spAutoFit/>
-            </a:bodyPr>
-            <a:lstStyle/>
-            <a:p>
-              <a:r>
-                <a:rPr lang="en-GB" dirty="0" smtClean="0"/>
-                <a:t>2. Select loan period from down arrow</a:t>
-              </a:r>
-              <a:endParaRPr lang="en-GB" dirty="0"/>
-            </a:p>
-          </p:txBody>
-        </p:sp>
-        <p:sp>
-          <p:nvSpPr>
-            <p:cNvPr id="9" name="TextBox 8"/>
-            <p:cNvSpPr txBox="1"/>
-            <p:nvPr/>
-          </p:nvSpPr>
-          <p:spPr>
-            <a:xfrm>
-              <a:off x="457200" y="5181600"/>
-              <a:ext cx="2187202" cy="369332"/>
-            </a:xfrm>
-            <a:prstGeom prst="rect">
-              <a:avLst/>
-            </a:prstGeom>
-            <a:noFill/>
-          </p:spPr>
-          <p:txBody>
-            <a:bodyPr wrap="none" rtlCol="0">
-              <a:spAutoFit/>
-            </a:bodyPr>
-            <a:lstStyle/>
-            <a:p>
-              <a:r>
-                <a:rPr lang="en-GB" dirty="0" smtClean="0"/>
-                <a:t>3. Enter the APR Rate</a:t>
-              </a:r>
-              <a:endParaRPr lang="en-GB" dirty="0"/>
-            </a:p>
-          </p:txBody>
-        </p:sp>
-        <p:sp>
-          <p:nvSpPr>
-            <p:cNvPr id="10" name="TextBox 9"/>
-            <p:cNvSpPr txBox="1"/>
-            <p:nvPr/>
-          </p:nvSpPr>
-          <p:spPr>
-            <a:xfrm>
-              <a:off x="3886200" y="5257800"/>
-              <a:ext cx="4031745" cy="369332"/>
-            </a:xfrm>
-            <a:prstGeom prst="rect">
-              <a:avLst/>
-            </a:prstGeom>
-            <a:noFill/>
-          </p:spPr>
-          <p:txBody>
-            <a:bodyPr wrap="none" rtlCol="0">
-              <a:spAutoFit/>
-            </a:bodyPr>
-            <a:lstStyle/>
-            <a:p>
-              <a:r>
-                <a:rPr lang="en-GB" dirty="0" smtClean="0"/>
-                <a:t>ANSWER: the amount of interest you pay</a:t>
-              </a:r>
-              <a:endParaRPr lang="en-GB" dirty="0"/>
-            </a:p>
-          </p:txBody>
-        </p:sp>
-        <p:sp>
-          <p:nvSpPr>
-            <p:cNvPr id="11" name="Oval 10"/>
-            <p:cNvSpPr/>
-            <p:nvPr/>
-          </p:nvSpPr>
-          <p:spPr>
-            <a:xfrm>
-              <a:off x="7086600" y="4495800"/>
-              <a:ext cx="838200" cy="457200"/>
-            </a:xfrm>
-            <a:prstGeom prst="ellipse">
-              <a:avLst/>
-            </a:prstGeom>
-            <a:noFill/>
-            <a:ln w="44450">
-              <a:solidFill>
-                <a:schemeClr val="accent4">
-                  <a:lumMod val="75000"/>
-                </a:schemeClr>
-              </a:solidFill>
-            </a:ln>
-          </p:spPr>
-          <p:style>
-            <a:lnRef idx="2">
-              <a:schemeClr val="accent1">
-                <a:shade val="50000"/>
-              </a:schemeClr>
-            </a:lnRef>
-            <a:fillRef idx="1">
-              <a:schemeClr val="accent1"/>
-            </a:fillRef>
-            <a:effectRef idx="0">
-              <a:schemeClr val="accent1"/>
-            </a:effectRef>
-            <a:fontRef idx="minor">
-              <a:schemeClr val="lt1"/>
-            </a:fontRef>
-          </p:style>
-          <p:txBody>
-            <a:bodyPr rtlCol="0" anchor="ctr"/>
-            <a:lstStyle/>
-            <a:p>
-              <a:pPr algn="ctr"/>
-              <a:endParaRPr lang="en-GB"/>
-            </a:p>
-          </p:txBody>
-        </p:sp>
-        <p:cxnSp>
-          <p:nvCxnSpPr>
-            <p:cNvPr id="13" name="Straight Arrow Connector 12"/>
-            <p:cNvCxnSpPr>
-              <a:stCxn id="6" idx="2"/>
-              <a:endCxn id="3" idx="1"/>
-            </p:cNvCxnSpPr>
-            <p:nvPr/>
-          </p:nvCxnSpPr>
-          <p:spPr>
-            <a:xfrm>
-              <a:off x="2229244" y="1359932"/>
-              <a:ext cx="1539948" cy="993023"/>
-            </a:xfrm>
-            <a:prstGeom prst="straightConnector1">
-              <a:avLst/>
-            </a:prstGeom>
-            <a:ln w="25400">
-              <a:solidFill>
-                <a:schemeClr val="accent3">
-                  <a:lumMod val="75000"/>
-                </a:schemeClr>
-              </a:solidFill>
-              <a:tailEnd type="arrow"/>
-            </a:ln>
-          </p:spPr>
-          <p:style>
-            <a:lnRef idx="1">
-              <a:schemeClr val="accent1"/>
-            </a:lnRef>
-            <a:fillRef idx="0">
-              <a:schemeClr val="accent1"/>
-            </a:fillRef>
-            <a:effectRef idx="0">
-              <a:schemeClr val="accent1"/>
-            </a:effectRef>
-            <a:fontRef idx="minor">
-              <a:schemeClr val="tx1"/>
-            </a:fontRef>
-          </p:style>
-        </p:cxnSp>
-        <p:cxnSp>
-          <p:nvCxnSpPr>
-            <p:cNvPr id="14" name="Straight Arrow Connector 13"/>
-            <p:cNvCxnSpPr>
-              <a:endCxn id="4" idx="1"/>
-            </p:cNvCxnSpPr>
-            <p:nvPr/>
-          </p:nvCxnSpPr>
-          <p:spPr>
-            <a:xfrm>
-              <a:off x="5791200" y="1828800"/>
-              <a:ext cx="962866" cy="524155"/>
-            </a:xfrm>
-            <a:prstGeom prst="straightConnector1">
-              <a:avLst/>
-            </a:prstGeom>
-            <a:ln w="25400">
-              <a:solidFill>
-                <a:schemeClr val="accent3">
-                  <a:lumMod val="75000"/>
-                </a:schemeClr>
-              </a:solidFill>
-              <a:tailEnd type="arrow"/>
-            </a:ln>
-          </p:spPr>
-          <p:style>
-            <a:lnRef idx="1">
-              <a:schemeClr val="accent1"/>
-            </a:lnRef>
-            <a:fillRef idx="0">
-              <a:schemeClr val="accent1"/>
-            </a:fillRef>
-            <a:effectRef idx="0">
-              <a:schemeClr val="accent1"/>
-            </a:effectRef>
-            <a:fontRef idx="minor">
-              <a:schemeClr val="tx1"/>
-            </a:fontRef>
-          </p:style>
-        </p:cxnSp>
-        <p:cxnSp>
-          <p:nvCxnSpPr>
-            <p:cNvPr id="16" name="Straight Arrow Connector 15"/>
-            <p:cNvCxnSpPr/>
-            <p:nvPr/>
-          </p:nvCxnSpPr>
-          <p:spPr>
-            <a:xfrm flipV="1">
-              <a:off x="1524000" y="4724400"/>
-              <a:ext cx="1981200" cy="533400"/>
-            </a:xfrm>
-            <a:prstGeom prst="straightConnector1">
-              <a:avLst/>
-            </a:prstGeom>
-            <a:ln w="25400">
-              <a:solidFill>
-                <a:schemeClr val="accent3">
-                  <a:lumMod val="75000"/>
-                </a:schemeClr>
-              </a:solidFill>
-              <a:tailEnd type="arrow"/>
-            </a:ln>
-          </p:spPr>
-          <p:style>
-            <a:lnRef idx="1">
-              <a:schemeClr val="accent1"/>
-            </a:lnRef>
-            <a:fillRef idx="0">
-              <a:schemeClr val="accent1"/>
-            </a:fillRef>
-            <a:effectRef idx="0">
-              <a:schemeClr val="accent1"/>
-            </a:effectRef>
-            <a:fontRef idx="minor">
-              <a:schemeClr val="tx1"/>
-            </a:fontRef>
-          </p:style>
-        </p:cxnSp>
-        <p:cxnSp>
-          <p:nvCxnSpPr>
-            <p:cNvPr id="18" name="Straight Arrow Connector 17"/>
-            <p:cNvCxnSpPr>
-              <a:endCxn id="11" idx="2"/>
-            </p:cNvCxnSpPr>
-            <p:nvPr/>
-          </p:nvCxnSpPr>
-          <p:spPr>
-            <a:xfrm flipV="1">
-              <a:off x="5562600" y="4724400"/>
-              <a:ext cx="1524000" cy="533400"/>
-            </a:xfrm>
-            <a:prstGeom prst="straightConnector1">
-              <a:avLst/>
-            </a:prstGeom>
-            <a:ln w="25400">
-              <a:solidFill>
-                <a:schemeClr val="accent4">
-                  <a:lumMod val="50000"/>
-                </a:schemeClr>
-              </a:solidFill>
-              <a:tailEnd type="arrow"/>
-            </a:ln>
-          </p:spPr>
-          <p:style>
-            <a:lnRef idx="1">
-              <a:schemeClr val="accent1"/>
-            </a:lnRef>
-            <a:fillRef idx="0">
-              <a:schemeClr val="accent1"/>
-            </a:fillRef>
-            <a:effectRef idx="0">
-              <a:schemeClr val="accent1"/>
-            </a:effectRef>
-            <a:fontRef idx="minor">
-              <a:schemeClr val="tx1"/>
-            </a:fontRef>
-          </p:style>
-        </p:cxnSp>
-        <p:sp>
-          <p:nvSpPr>
-            <p:cNvPr id="20" name="TextBox 19"/>
-            <p:cNvSpPr txBox="1"/>
-            <p:nvPr/>
-          </p:nvSpPr>
-          <p:spPr>
-            <a:xfrm>
-              <a:off x="7391400" y="914400"/>
-              <a:ext cx="862287" cy="276999"/>
-            </a:xfrm>
-            <a:prstGeom prst="rect">
-              <a:avLst/>
-            </a:prstGeom>
-            <a:noFill/>
-          </p:spPr>
-          <p:txBody>
-            <a:bodyPr wrap="none" rtlCol="0">
-              <a:spAutoFit/>
-            </a:bodyPr>
-            <a:lstStyle/>
-            <a:p>
-              <a:r>
-                <a:rPr lang="en-GB" sz="1200" dirty="0" smtClean="0"/>
-                <a:t>Full Screen</a:t>
-              </a:r>
-              <a:endParaRPr lang="en-GB" sz="1200" dirty="0"/>
-            </a:p>
-          </p:txBody>
-        </p:sp>
-        <p:cxnSp>
-          <p:nvCxnSpPr>
-            <p:cNvPr id="21" name="Straight Arrow Connector 20"/>
-            <p:cNvCxnSpPr/>
-            <p:nvPr/>
-          </p:nvCxnSpPr>
-          <p:spPr>
-            <a:xfrm flipH="1">
-              <a:off x="7696200" y="1143000"/>
-              <a:ext cx="76200" cy="838200"/>
-            </a:xfrm>
-            <a:prstGeom prst="straightConnector1">
-              <a:avLst/>
-            </a:prstGeom>
-            <a:ln w="12700">
-              <a:solidFill>
-                <a:schemeClr val="tx1">
-                  <a:lumMod val="85000"/>
-                  <a:lumOff val="15000"/>
-                </a:schemeClr>
-              </a:solidFill>
-              <a:tailEnd type="arrow"/>
-            </a:ln>
-          </p:spPr>
-          <p:style>
-            <a:lnRef idx="1">
-              <a:schemeClr val="accent1"/>
-            </a:lnRef>
-            <a:fillRef idx="0">
-              <a:schemeClr val="accent1"/>
-            </a:fillRef>
-            <a:effectRef idx="0">
-              <a:schemeClr val="accent1"/>
-            </a:effectRef>
-            <a:fontRef idx="minor">
-              <a:schemeClr val="tx1"/>
-            </a:fontRef>
-          </p:style>
-        </p:cxnSp>
-      </p:grpSp>
+        </p:spPr>
+      </p:pic>
     </p:spTree>
   </p:cSld>
   <p:clrMapOvr>
